--- a/sprints/sprint_4.pptx
+++ b/sprints/sprint_4.pptx
@@ -974,17 +974,17 @@
           </a:ln>
           <a:extLst>
             <a:ext uri="{FAA26D3D-D897-4be2-8F04-BA451C77F1D7}">
-              <ma14:placeholderFlag xmlns="" xmlns:ma14="http://schemas.microsoft.com/office/mac/drawingml/2011/main" val="1"/>
+              <ma14:placeholderFlag xmlns:ma14="http://schemas.microsoft.com/office/mac/drawingml/2011/main" xmlns="" val="1"/>
             </a:ext>
             <a:ext uri="{909E8E84-426E-40dd-AFC4-6F175D3DCCD1}">
-              <a14:hiddenFill xmlns="" xmlns:a14="http://schemas.microsoft.com/office/drawing/2010/main">
+              <a14:hiddenFill xmlns:a14="http://schemas.microsoft.com/office/drawing/2010/main" xmlns="">
                 <a:solidFill>
                   <a:srgbClr val="FFFFFF"/>
                 </a:solidFill>
               </a14:hiddenFill>
             </a:ext>
             <a:ext uri="{91240B29-F687-4f45-9708-019B960494DF}">
-              <a14:hiddenLine xmlns="" xmlns:a14="http://schemas.microsoft.com/office/drawing/2010/main" w="9525">
+              <a14:hiddenLine xmlns:a14="http://schemas.microsoft.com/office/drawing/2010/main" xmlns="" w="9525">
                 <a:solidFill>
                   <a:srgbClr val="000000"/>
                 </a:solidFill>
@@ -2253,17 +2253,17 @@
           </a:ln>
           <a:extLst>
             <a:ext uri="{FAA26D3D-D897-4be2-8F04-BA451C77F1D7}">
-              <ma14:placeholderFlag xmlns="" xmlns:ma14="http://schemas.microsoft.com/office/mac/drawingml/2011/main" val="1"/>
+              <ma14:placeholderFlag xmlns:ma14="http://schemas.microsoft.com/office/mac/drawingml/2011/main" xmlns="" val="1"/>
             </a:ext>
             <a:ext uri="{909E8E84-426E-40dd-AFC4-6F175D3DCCD1}">
-              <a14:hiddenFill xmlns="" xmlns:a14="http://schemas.microsoft.com/office/drawing/2010/main">
+              <a14:hiddenFill xmlns:a14="http://schemas.microsoft.com/office/drawing/2010/main" xmlns="">
                 <a:solidFill>
                   <a:srgbClr val="FFFFFF"/>
                 </a:solidFill>
               </a14:hiddenFill>
             </a:ext>
             <a:ext uri="{91240B29-F687-4f45-9708-019B960494DF}">
-              <a14:hiddenLine xmlns="" xmlns:a14="http://schemas.microsoft.com/office/drawing/2010/main" w="9525">
+              <a14:hiddenLine xmlns:a14="http://schemas.microsoft.com/office/drawing/2010/main" xmlns="" w="9525">
                 <a:solidFill>
                   <a:srgbClr val="000000"/>
                 </a:solidFill>
@@ -2314,17 +2314,17 @@
           </a:ln>
           <a:extLst>
             <a:ext uri="{FAA26D3D-D897-4be2-8F04-BA451C77F1D7}">
-              <ma14:placeholderFlag xmlns="" xmlns:ma14="http://schemas.microsoft.com/office/mac/drawingml/2011/main" val="1"/>
+              <ma14:placeholderFlag xmlns:ma14="http://schemas.microsoft.com/office/mac/drawingml/2011/main" xmlns="" val="1"/>
             </a:ext>
             <a:ext uri="{909E8E84-426E-40dd-AFC4-6F175D3DCCD1}">
-              <a14:hiddenFill xmlns="" xmlns:a14="http://schemas.microsoft.com/office/drawing/2010/main">
+              <a14:hiddenFill xmlns:a14="http://schemas.microsoft.com/office/drawing/2010/main" xmlns="">
                 <a:solidFill>
                   <a:srgbClr val="FFFFFF"/>
                 </a:solidFill>
               </a14:hiddenFill>
             </a:ext>
             <a:ext uri="{91240B29-F687-4f45-9708-019B960494DF}">
-              <a14:hiddenLine xmlns="" xmlns:a14="http://schemas.microsoft.com/office/drawing/2010/main" w="9525">
+              <a14:hiddenLine xmlns:a14="http://schemas.microsoft.com/office/drawing/2010/main" xmlns="" w="9525">
                 <a:solidFill>
                   <a:srgbClr val="000000"/>
                 </a:solidFill>
@@ -2534,7 +2534,7 @@
           </a:ln>
           <a:extLst>
             <a:ext uri="{909E8E84-426E-40dd-AFC4-6F175D3DCCD1}">
-              <a14:hiddenFill xmlns="" xmlns:a14="http://schemas.microsoft.com/office/drawing/2010/main">
+              <a14:hiddenFill xmlns:a14="http://schemas.microsoft.com/office/drawing/2010/main" xmlns="">
                 <a:solidFill>
                   <a:srgbClr val="FFFFFF">
                     <a:alpha val="50000"/>
@@ -2543,7 +2543,7 @@
               </a14:hiddenFill>
             </a:ext>
             <a:ext uri="{91240B29-F687-4f45-9708-019B960494DF}">
-              <a14:hiddenLine xmlns="" xmlns:a14="http://schemas.microsoft.com/office/drawing/2010/main" w="9525">
+              <a14:hiddenLine xmlns:a14="http://schemas.microsoft.com/office/drawing/2010/main" xmlns="" w="9525">
                 <a:solidFill>
                   <a:srgbClr val="000000"/>
                 </a:solidFill>
@@ -3565,7 +3565,7 @@
             <a:pPr lvl="1"/>
             <a:r>
               <a:rPr lang="en-GB" dirty="0"/>
-              <a:t>Fully annotated synthetic dataset</a:t>
+              <a:t>Synthetic dataset</a:t>
             </a:r>
           </a:p>
           <a:p>
